--- a/docs/diagrams/NoteModelComponentClassDiagram.pptx
+++ b/docs/diagrams/NoteModelComponentClassDiagram.pptx
@@ -109,7 +109,7 @@
   </p:defaultTextStyle>
   <p:extLst>
     <p:ext uri="{EFAFB233-063F-42B5-8137-9DF3F51BA10A}">
-      <p15:sldGuideLst xmlns="" xmlns:p15="http://schemas.microsoft.com/office/powerpoint/2012/main">
+      <p15:sldGuideLst xmlns:p15="http://schemas.microsoft.com/office/powerpoint/2012/main" xmlns="">
         <p15:guide id="1" orient="horz" pos="1488">
           <p15:clr>
             <a:srgbClr val="A4A3A4"/>
@@ -4129,7 +4129,7 @@
           <p:cNvPr id="44" name="Rectangle 8">
             <a:extLst>
               <a:ext uri="{FF2B5EF4-FFF2-40B4-BE49-F238E27FC236}">
-                <a16:creationId xmlns:a16="http://schemas.microsoft.com/office/drawing/2014/main" xmlns="" id="{ABDCDBD2-131A-4B66-A2F2-43BBEE82C773}"/>
+                <a16:creationId xmlns="" xmlns:a16="http://schemas.microsoft.com/office/drawing/2014/main" id="{ABDCDBD2-131A-4B66-A2F2-43BBEE82C773}"/>
               </a:ext>
             </a:extLst>
           </p:cNvPr>
@@ -4191,7 +4191,7 @@
           <p:cNvPr id="45" name="Elbow Connector 78">
             <a:extLst>
               <a:ext uri="{FF2B5EF4-FFF2-40B4-BE49-F238E27FC236}">
-                <a16:creationId xmlns:a16="http://schemas.microsoft.com/office/drawing/2014/main" xmlns="" id="{B97967F8-618A-448B-81FD-CDFD4AF0EC64}"/>
+                <a16:creationId xmlns="" xmlns:a16="http://schemas.microsoft.com/office/drawing/2014/main" id="{B97967F8-618A-448B-81FD-CDFD4AF0EC64}"/>
               </a:ext>
             </a:extLst>
           </p:cNvPr>
@@ -4502,7 +4502,7 @@
                   <a:srgbClr val="7030A0"/>
                 </a:solidFill>
               </a:rPr>
-              <a:t>0, 2</a:t>
+              <a:t>0,2</a:t>
             </a:r>
             <a:endParaRPr lang="en-SG" sz="900" dirty="0">
               <a:solidFill>
